--- a/PPT/Angular15-REST.pptx
+++ b/PPT/Angular15-REST.pptx
@@ -4265,13 +4265,8 @@
             <a:pPr eaLnBrk="1" hangingPunct="1"/>
             <a:r>
               <a:rPr lang="fr-FR" altLang="fr-FR" dirty="0" smtClean="0"/>
-              <a:t>Chapitre </a:t>
-            </a:r>
-            <a:r>
-              <a:rPr lang="fr-FR" altLang="fr-FR" dirty="0" smtClean="0"/>
-              <a:t>15</a:t>
-            </a:r>
-            <a:endParaRPr lang="fr-FR" altLang="fr-FR" dirty="0" smtClean="0"/>
+              <a:t>Chapitre 15</a:t>
+            </a:r>
           </a:p>
           <a:p>
             <a:pPr eaLnBrk="1" hangingPunct="1"/>
@@ -4279,7 +4274,6 @@
               <a:rPr lang="fr-FR" altLang="fr-FR" dirty="0" smtClean="0"/>
               <a:t>REST</a:t>
             </a:r>
-            <a:endParaRPr lang="fr-FR" altLang="fr-FR" dirty="0" smtClean="0"/>
           </a:p>
         </p:txBody>
       </p:sp>
@@ -4667,6 +4661,13 @@
   <p:clrMapOvr>
     <a:masterClrMapping/>
   </p:clrMapOvr>
+  <p:timing>
+    <p:tnLst>
+      <p:par>
+        <p:cTn id="1" dur="indefinite" restart="never" nodeType="tmRoot"/>
+      </p:par>
+    </p:tnLst>
+  </p:timing>
 </p:sld>
 </file>
 
@@ -4770,6 +4771,13 @@
   <p:clrMapOvr>
     <a:masterClrMapping/>
   </p:clrMapOvr>
+  <p:timing>
+    <p:tnLst>
+      <p:par>
+        <p:cTn id="1" dur="indefinite" restart="never" nodeType="tmRoot"/>
+      </p:par>
+    </p:tnLst>
+  </p:timing>
 </p:sld>
 </file>
 
@@ -4807,7 +4815,7 @@
           <a:p>
             <a:r>
               <a:rPr lang="fr-FR" dirty="0" err="1" smtClean="0"/>
-              <a:t>Seacrh</a:t>
+              <a:t>Search</a:t>
             </a:r>
             <a:endParaRPr lang="fr-FR" dirty="0"/>
           </a:p>
@@ -4870,6 +4878,13 @@
   <p:clrMapOvr>
     <a:masterClrMapping/>
   </p:clrMapOvr>
+  <p:timing>
+    <p:tnLst>
+      <p:par>
+        <p:cTn id="1" dur="indefinite" restart="never" nodeType="tmRoot"/>
+      </p:par>
+    </p:tnLst>
+  </p:timing>
 </p:sld>
 </file>
 
@@ -5012,6 +5027,13 @@
   <p:clrMapOvr>
     <a:masterClrMapping/>
   </p:clrMapOvr>
+  <p:timing>
+    <p:tnLst>
+      <p:par>
+        <p:cTn id="1" dur="indefinite" restart="never" nodeType="tmRoot"/>
+      </p:par>
+    </p:tnLst>
+  </p:timing>
 </p:sld>
 </file>
 
@@ -5320,7 +5342,7 @@
           <a:graphicData uri="http://schemas.openxmlformats.org/presentationml/2006/ole">
             <mc:AlternateContent xmlns:mc="http://schemas.openxmlformats.org/markup-compatibility/2006">
               <mc:Choice xmlns:v="urn:schemas-microsoft-com:vml" Requires="v">
-                <p:oleObj spid="_x0000_s1038" name="Visio" r:id="rId5" imgW="3391939" imgH="2771706" progId="">
+                <p:oleObj spid="_x0000_s1042" name="Visio" r:id="rId5" imgW="3391939" imgH="2771706" progId="">
                   <p:embed/>
                 </p:oleObj>
               </mc:Choice>
@@ -5403,7 +5425,7 @@
           <a:graphicData uri="http://schemas.openxmlformats.org/presentationml/2006/ole">
             <mc:AlternateContent xmlns:mc="http://schemas.openxmlformats.org/markup-compatibility/2006">
               <mc:Choice xmlns:v="urn:schemas-microsoft-com:vml" Requires="v">
-                <p:oleObj spid="_x0000_s1039" name="Visio" r:id="rId7" imgW="4644189" imgH="2187953" progId="">
+                <p:oleObj spid="_x0000_s1043" name="Visio" r:id="rId7" imgW="4644189" imgH="2187953" progId="">
                   <p:embed/>
                 </p:oleObj>
               </mc:Choice>
@@ -6153,6 +6175,13 @@
   <p:clrMapOvr>
     <a:masterClrMapping/>
   </p:clrMapOvr>
+  <p:timing>
+    <p:tnLst>
+      <p:par>
+        <p:cTn id="1" dur="indefinite" restart="never" nodeType="tmRoot"/>
+      </p:par>
+    </p:tnLst>
+  </p:timing>
 </p:sld>
 </file>
 
@@ -6341,6 +6370,13 @@
   <p:clrMapOvr>
     <a:masterClrMapping/>
   </p:clrMapOvr>
+  <p:timing>
+    <p:tnLst>
+      <p:par>
+        <p:cTn id="1" dur="indefinite" restart="never" nodeType="tmRoot"/>
+      </p:par>
+    </p:tnLst>
+  </p:timing>
 </p:sld>
 </file>
 
@@ -6483,6 +6519,13 @@
   <p:clrMapOvr>
     <a:masterClrMapping/>
   </p:clrMapOvr>
+  <p:timing>
+    <p:tnLst>
+      <p:par>
+        <p:cTn id="1" dur="indefinite" restart="never" nodeType="tmRoot"/>
+      </p:par>
+    </p:tnLst>
+  </p:timing>
 </p:sld>
 </file>
 
@@ -6672,6 +6715,13 @@
   <p:clrMapOvr>
     <a:masterClrMapping/>
   </p:clrMapOvr>
+  <p:timing>
+    <p:tnLst>
+      <p:par>
+        <p:cTn id="1" dur="indefinite" restart="never" nodeType="tmRoot"/>
+      </p:par>
+    </p:tnLst>
+  </p:timing>
 </p:sld>
 </file>
 
